--- a/module_04/module4.pptx
+++ b/module_04/module4.pptx
@@ -14,6 +14,15 @@
     <p:sldId id="261" r:id="rId8"/>
     <p:sldId id="262" r:id="rId9"/>
     <p:sldId id="263" r:id="rId10"/>
+    <p:sldId id="268" r:id="rId11"/>
+    <p:sldId id="269" r:id="rId12"/>
+    <p:sldId id="270" r:id="rId13"/>
+    <p:sldId id="271" r:id="rId14"/>
+    <p:sldId id="272" r:id="rId15"/>
+    <p:sldId id="273" r:id="rId16"/>
+    <p:sldId id="275" r:id="rId17"/>
+    <p:sldId id="274" r:id="rId18"/>
+    <p:sldId id="276" r:id="rId19"/>
   </p:sldIdLst>
   <p:sldSz cx="12192000" cy="6858000"/>
   <p:notesSz cx="6858000" cy="9144000"/>
@@ -251,7 +260,7 @@
           <a:p>
             <a:fld id="{D7DE5C0D-2F04-430D-8801-ECDC32FB7CA6}" type="datetimeFigureOut">
               <a:rPr lang="ru-RU" smtClean="0"/>
-              <a:t>08.06.2022</a:t>
+              <a:t>29.06.2022</a:t>
             </a:fld>
             <a:endParaRPr lang="ru-RU"/>
           </a:p>
@@ -421,7 +430,7 @@
           <a:p>
             <a:fld id="{D7DE5C0D-2F04-430D-8801-ECDC32FB7CA6}" type="datetimeFigureOut">
               <a:rPr lang="ru-RU" smtClean="0"/>
-              <a:t>08.06.2022</a:t>
+              <a:t>29.06.2022</a:t>
             </a:fld>
             <a:endParaRPr lang="ru-RU"/>
           </a:p>
@@ -601,7 +610,7 @@
           <a:p>
             <a:fld id="{D7DE5C0D-2F04-430D-8801-ECDC32FB7CA6}" type="datetimeFigureOut">
               <a:rPr lang="ru-RU" smtClean="0"/>
-              <a:t>08.06.2022</a:t>
+              <a:t>29.06.2022</a:t>
             </a:fld>
             <a:endParaRPr lang="ru-RU"/>
           </a:p>
@@ -771,7 +780,7 @@
           <a:p>
             <a:fld id="{D7DE5C0D-2F04-430D-8801-ECDC32FB7CA6}" type="datetimeFigureOut">
               <a:rPr lang="ru-RU" smtClean="0"/>
-              <a:t>08.06.2022</a:t>
+              <a:t>29.06.2022</a:t>
             </a:fld>
             <a:endParaRPr lang="ru-RU"/>
           </a:p>
@@ -1017,7 +1026,7 @@
           <a:p>
             <a:fld id="{D7DE5C0D-2F04-430D-8801-ECDC32FB7CA6}" type="datetimeFigureOut">
               <a:rPr lang="ru-RU" smtClean="0"/>
-              <a:t>08.06.2022</a:t>
+              <a:t>29.06.2022</a:t>
             </a:fld>
             <a:endParaRPr lang="ru-RU"/>
           </a:p>
@@ -1249,7 +1258,7 @@
           <a:p>
             <a:fld id="{D7DE5C0D-2F04-430D-8801-ECDC32FB7CA6}" type="datetimeFigureOut">
               <a:rPr lang="ru-RU" smtClean="0"/>
-              <a:t>08.06.2022</a:t>
+              <a:t>29.06.2022</a:t>
             </a:fld>
             <a:endParaRPr lang="ru-RU"/>
           </a:p>
@@ -1616,7 +1625,7 @@
           <a:p>
             <a:fld id="{D7DE5C0D-2F04-430D-8801-ECDC32FB7CA6}" type="datetimeFigureOut">
               <a:rPr lang="ru-RU" smtClean="0"/>
-              <a:t>08.06.2022</a:t>
+              <a:t>29.06.2022</a:t>
             </a:fld>
             <a:endParaRPr lang="ru-RU"/>
           </a:p>
@@ -1734,7 +1743,7 @@
           <a:p>
             <a:fld id="{D7DE5C0D-2F04-430D-8801-ECDC32FB7CA6}" type="datetimeFigureOut">
               <a:rPr lang="ru-RU" smtClean="0"/>
-              <a:t>08.06.2022</a:t>
+              <a:t>29.06.2022</a:t>
             </a:fld>
             <a:endParaRPr lang="ru-RU"/>
           </a:p>
@@ -1829,7 +1838,7 @@
           <a:p>
             <a:fld id="{D7DE5C0D-2F04-430D-8801-ECDC32FB7CA6}" type="datetimeFigureOut">
               <a:rPr lang="ru-RU" smtClean="0"/>
-              <a:t>08.06.2022</a:t>
+              <a:t>29.06.2022</a:t>
             </a:fld>
             <a:endParaRPr lang="ru-RU"/>
           </a:p>
@@ -2106,7 +2115,7 @@
           <a:p>
             <a:fld id="{D7DE5C0D-2F04-430D-8801-ECDC32FB7CA6}" type="datetimeFigureOut">
               <a:rPr lang="ru-RU" smtClean="0"/>
-              <a:t>08.06.2022</a:t>
+              <a:t>29.06.2022</a:t>
             </a:fld>
             <a:endParaRPr lang="ru-RU"/>
           </a:p>
@@ -2359,7 +2368,7 @@
           <a:p>
             <a:fld id="{D7DE5C0D-2F04-430D-8801-ECDC32FB7CA6}" type="datetimeFigureOut">
               <a:rPr lang="ru-RU" smtClean="0"/>
-              <a:t>08.06.2022</a:t>
+              <a:t>29.06.2022</a:t>
             </a:fld>
             <a:endParaRPr lang="ru-RU"/>
           </a:p>
@@ -2572,7 +2581,7 @@
           <a:p>
             <a:fld id="{D7DE5C0D-2F04-430D-8801-ECDC32FB7CA6}" type="datetimeFigureOut">
               <a:rPr lang="ru-RU" smtClean="0"/>
-              <a:t>08.06.2022</a:t>
+              <a:t>29.06.2022</a:t>
             </a:fld>
             <a:endParaRPr lang="ru-RU"/>
           </a:p>
@@ -3045,6 +3054,923 @@
 </p:sld>
 </file>
 
+<file path=ppt/slides/slide10.xml><?xml version="1.0" encoding="utf-8"?>
+<p:sld xmlns:a="http://schemas.openxmlformats.org/drawingml/2006/main" xmlns:r="http://schemas.openxmlformats.org/officeDocument/2006/relationships" xmlns:p="http://schemas.openxmlformats.org/presentationml/2006/main">
+  <p:cSld>
+    <p:spTree>
+      <p:nvGrpSpPr>
+        <p:cNvPr id="1" name=""/>
+        <p:cNvGrpSpPr/>
+        <p:nvPr/>
+      </p:nvGrpSpPr>
+      <p:grpSpPr>
+        <a:xfrm>
+          <a:off x="0" y="0"/>
+          <a:ext cx="0" cy="0"/>
+          <a:chOff x="0" y="0"/>
+          <a:chExt cx="0" cy="0"/>
+        </a:xfrm>
+      </p:grpSpPr>
+      <p:sp>
+        <p:nvSpPr>
+          <p:cNvPr id="2" name="Заголовок 1"/>
+          <p:cNvSpPr>
+            <a:spLocks noGrp="1"/>
+          </p:cNvSpPr>
+          <p:nvPr>
+            <p:ph type="ctrTitle"/>
+          </p:nvPr>
+        </p:nvSpPr>
+        <p:spPr/>
+        <p:txBody>
+          <a:bodyPr/>
+          <a:lstStyle/>
+          <a:p>
+            <a:r>
+              <a:rPr lang="ru-RU" dirty="0" smtClean="0"/>
+              <a:t>Видео 2</a:t>
+            </a:r>
+            <a:endParaRPr lang="ru-RU" dirty="0"/>
+          </a:p>
+        </p:txBody>
+      </p:sp>
+      <p:sp>
+        <p:nvSpPr>
+          <p:cNvPr id="4" name="Подзаголовок 3"/>
+          <p:cNvSpPr>
+            <a:spLocks noGrp="1"/>
+          </p:cNvSpPr>
+          <p:nvPr>
+            <p:ph type="subTitle" idx="1"/>
+          </p:nvPr>
+        </p:nvSpPr>
+        <p:spPr/>
+        <p:txBody>
+          <a:bodyPr/>
+          <a:lstStyle/>
+          <a:p>
+            <a:endParaRPr lang="ru-RU"/>
+          </a:p>
+        </p:txBody>
+      </p:sp>
+    </p:spTree>
+    <p:extLst>
+      <p:ext uri="{BB962C8B-B14F-4D97-AF65-F5344CB8AC3E}">
+        <p14:creationId xmlns:p14="http://schemas.microsoft.com/office/powerpoint/2010/main" val="2497593442"/>
+      </p:ext>
+    </p:extLst>
+  </p:cSld>
+  <p:clrMapOvr>
+    <a:masterClrMapping/>
+  </p:clrMapOvr>
+</p:sld>
+</file>
+
+<file path=ppt/slides/slide11.xml><?xml version="1.0" encoding="utf-8"?>
+<p:sld xmlns:a="http://schemas.openxmlformats.org/drawingml/2006/main" xmlns:r="http://schemas.openxmlformats.org/officeDocument/2006/relationships" xmlns:p="http://schemas.openxmlformats.org/presentationml/2006/main">
+  <p:cSld>
+    <p:spTree>
+      <p:nvGrpSpPr>
+        <p:cNvPr id="1" name=""/>
+        <p:cNvGrpSpPr/>
+        <p:nvPr/>
+      </p:nvGrpSpPr>
+      <p:grpSpPr>
+        <a:xfrm>
+          <a:off x="0" y="0"/>
+          <a:ext cx="0" cy="0"/>
+          <a:chOff x="0" y="0"/>
+          <a:chExt cx="0" cy="0"/>
+        </a:xfrm>
+      </p:grpSpPr>
+      <p:sp>
+        <p:nvSpPr>
+          <p:cNvPr id="2" name="Заголовок 1"/>
+          <p:cNvSpPr>
+            <a:spLocks noGrp="1"/>
+          </p:cNvSpPr>
+          <p:nvPr>
+            <p:ph type="title"/>
+          </p:nvPr>
+        </p:nvSpPr>
+        <p:spPr/>
+        <p:txBody>
+          <a:bodyPr/>
+          <a:lstStyle/>
+          <a:p>
+            <a:endParaRPr lang="ru-RU" dirty="0"/>
+          </a:p>
+        </p:txBody>
+      </p:sp>
+      <p:sp>
+        <p:nvSpPr>
+          <p:cNvPr id="3" name="Объект 2"/>
+          <p:cNvSpPr>
+            <a:spLocks noGrp="1"/>
+          </p:cNvSpPr>
+          <p:nvPr>
+            <p:ph idx="1"/>
+          </p:nvPr>
+        </p:nvSpPr>
+        <p:spPr/>
+        <p:txBody>
+          <a:bodyPr/>
+          <a:lstStyle/>
+          <a:p>
+            <a:endParaRPr lang="ru-RU" dirty="0"/>
+          </a:p>
+        </p:txBody>
+      </p:sp>
+      <p:pic>
+        <p:nvPicPr>
+          <p:cNvPr id="1026" name="Picture 2" descr="https://latex2png.com/pngs/f60bd851367fdfc19c36d5936c609a91.png"/>
+          <p:cNvPicPr>
+            <a:picLocks noChangeAspect="1" noChangeArrowheads="1"/>
+          </p:cNvPicPr>
+          <p:nvPr/>
+        </p:nvPicPr>
+        <p:blipFill>
+          <a:blip r:embed="rId2">
+            <a:extLst>
+              <a:ext uri="{28A0092B-C50C-407E-A947-70E740481C1C}">
+                <a14:useLocalDpi xmlns:a14="http://schemas.microsoft.com/office/drawing/2010/main" val="0"/>
+              </a:ext>
+            </a:extLst>
+          </a:blip>
+          <a:srcRect/>
+          <a:stretch>
+            <a:fillRect/>
+          </a:stretch>
+        </p:blipFill>
+        <p:spPr bwMode="auto">
+          <a:xfrm>
+            <a:off x="3381375" y="3048794"/>
+            <a:ext cx="5429250" cy="1905000"/>
+          </a:xfrm>
+          <a:prstGeom prst="rect">
+            <a:avLst/>
+          </a:prstGeom>
+          <a:noFill/>
+          <a:extLst>
+            <a:ext uri="{909E8E84-426E-40DD-AFC4-6F175D3DCCD1}">
+              <a14:hiddenFill xmlns:a14="http://schemas.microsoft.com/office/drawing/2010/main">
+                <a:solidFill>
+                  <a:srgbClr val="FFFFFF"/>
+                </a:solidFill>
+              </a14:hiddenFill>
+            </a:ext>
+          </a:extLst>
+        </p:spPr>
+      </p:pic>
+    </p:spTree>
+    <p:extLst>
+      <p:ext uri="{BB962C8B-B14F-4D97-AF65-F5344CB8AC3E}">
+        <p14:creationId xmlns:p14="http://schemas.microsoft.com/office/powerpoint/2010/main" val="4130951308"/>
+      </p:ext>
+    </p:extLst>
+  </p:cSld>
+  <p:clrMapOvr>
+    <a:masterClrMapping/>
+  </p:clrMapOvr>
+</p:sld>
+</file>
+
+<file path=ppt/slides/slide12.xml><?xml version="1.0" encoding="utf-8"?>
+<p:sld xmlns:a="http://schemas.openxmlformats.org/drawingml/2006/main" xmlns:r="http://schemas.openxmlformats.org/officeDocument/2006/relationships" xmlns:p="http://schemas.openxmlformats.org/presentationml/2006/main">
+  <p:cSld>
+    <p:spTree>
+      <p:nvGrpSpPr>
+        <p:cNvPr id="1" name=""/>
+        <p:cNvGrpSpPr/>
+        <p:nvPr/>
+      </p:nvGrpSpPr>
+      <p:grpSpPr>
+        <a:xfrm>
+          <a:off x="0" y="0"/>
+          <a:ext cx="0" cy="0"/>
+          <a:chOff x="0" y="0"/>
+          <a:chExt cx="0" cy="0"/>
+        </a:xfrm>
+      </p:grpSpPr>
+      <p:sp>
+        <p:nvSpPr>
+          <p:cNvPr id="2" name="Заголовок 1"/>
+          <p:cNvSpPr>
+            <a:spLocks noGrp="1"/>
+          </p:cNvSpPr>
+          <p:nvPr>
+            <p:ph type="title"/>
+          </p:nvPr>
+        </p:nvSpPr>
+        <p:spPr/>
+        <p:txBody>
+          <a:bodyPr/>
+          <a:lstStyle/>
+          <a:p>
+            <a:endParaRPr lang="ru-RU"/>
+          </a:p>
+        </p:txBody>
+      </p:sp>
+      <p:sp>
+        <p:nvSpPr>
+          <p:cNvPr id="3" name="Объект 2"/>
+          <p:cNvSpPr>
+            <a:spLocks noGrp="1"/>
+          </p:cNvSpPr>
+          <p:nvPr>
+            <p:ph idx="1"/>
+          </p:nvPr>
+        </p:nvSpPr>
+        <p:spPr/>
+        <p:txBody>
+          <a:bodyPr/>
+          <a:lstStyle/>
+          <a:p>
+            <a:endParaRPr lang="ru-RU"/>
+          </a:p>
+        </p:txBody>
+      </p:sp>
+      <p:pic>
+        <p:nvPicPr>
+          <p:cNvPr id="2050" name="Picture 2" descr="https://latex2png.com/pngs/e66b13a86e066512eb88f5af5f4da690.png"/>
+          <p:cNvPicPr>
+            <a:picLocks noChangeAspect="1" noChangeArrowheads="1"/>
+          </p:cNvPicPr>
+          <p:nvPr/>
+        </p:nvPicPr>
+        <p:blipFill>
+          <a:blip r:embed="rId2">
+            <a:extLst>
+              <a:ext uri="{28A0092B-C50C-407E-A947-70E740481C1C}">
+                <a14:useLocalDpi xmlns:a14="http://schemas.microsoft.com/office/drawing/2010/main" val="0"/>
+              </a:ext>
+            </a:extLst>
+          </a:blip>
+          <a:srcRect/>
+          <a:stretch>
+            <a:fillRect/>
+          </a:stretch>
+        </p:blipFill>
+        <p:spPr bwMode="auto">
+          <a:xfrm>
+            <a:off x="3405402" y="3048794"/>
+            <a:ext cx="5076825" cy="1905000"/>
+          </a:xfrm>
+          <a:prstGeom prst="rect">
+            <a:avLst/>
+          </a:prstGeom>
+          <a:noFill/>
+          <a:extLst>
+            <a:ext uri="{909E8E84-426E-40DD-AFC4-6F175D3DCCD1}">
+              <a14:hiddenFill xmlns:a14="http://schemas.microsoft.com/office/drawing/2010/main">
+                <a:solidFill>
+                  <a:srgbClr val="FFFFFF"/>
+                </a:solidFill>
+              </a14:hiddenFill>
+            </a:ext>
+          </a:extLst>
+        </p:spPr>
+      </p:pic>
+    </p:spTree>
+    <p:extLst>
+      <p:ext uri="{BB962C8B-B14F-4D97-AF65-F5344CB8AC3E}">
+        <p14:creationId xmlns:p14="http://schemas.microsoft.com/office/powerpoint/2010/main" val="4218016789"/>
+      </p:ext>
+    </p:extLst>
+  </p:cSld>
+  <p:clrMapOvr>
+    <a:masterClrMapping/>
+  </p:clrMapOvr>
+</p:sld>
+</file>
+
+<file path=ppt/slides/slide13.xml><?xml version="1.0" encoding="utf-8"?>
+<p:sld xmlns:a="http://schemas.openxmlformats.org/drawingml/2006/main" xmlns:r="http://schemas.openxmlformats.org/officeDocument/2006/relationships" xmlns:p="http://schemas.openxmlformats.org/presentationml/2006/main">
+  <p:cSld>
+    <p:spTree>
+      <p:nvGrpSpPr>
+        <p:cNvPr id="1" name=""/>
+        <p:cNvGrpSpPr/>
+        <p:nvPr/>
+      </p:nvGrpSpPr>
+      <p:grpSpPr>
+        <a:xfrm>
+          <a:off x="0" y="0"/>
+          <a:ext cx="0" cy="0"/>
+          <a:chOff x="0" y="0"/>
+          <a:chExt cx="0" cy="0"/>
+        </a:xfrm>
+      </p:grpSpPr>
+      <p:sp>
+        <p:nvSpPr>
+          <p:cNvPr id="2" name="Заголовок 1"/>
+          <p:cNvSpPr>
+            <a:spLocks noGrp="1"/>
+          </p:cNvSpPr>
+          <p:nvPr>
+            <p:ph type="title"/>
+          </p:nvPr>
+        </p:nvSpPr>
+        <p:spPr/>
+        <p:txBody>
+          <a:bodyPr/>
+          <a:lstStyle/>
+          <a:p>
+            <a:endParaRPr lang="ru-RU"/>
+          </a:p>
+        </p:txBody>
+      </p:sp>
+      <p:sp>
+        <p:nvSpPr>
+          <p:cNvPr id="3" name="Объект 2"/>
+          <p:cNvSpPr>
+            <a:spLocks noGrp="1"/>
+          </p:cNvSpPr>
+          <p:nvPr>
+            <p:ph idx="1"/>
+          </p:nvPr>
+        </p:nvSpPr>
+        <p:spPr/>
+        <p:txBody>
+          <a:bodyPr/>
+          <a:lstStyle/>
+          <a:p>
+            <a:endParaRPr lang="ru-RU"/>
+          </a:p>
+        </p:txBody>
+      </p:sp>
+      <p:pic>
+        <p:nvPicPr>
+          <p:cNvPr id="3074" name="Picture 2" descr="https://latex2png.com/pngs/cf861e10d0feaf84fa377199294018d2.png"/>
+          <p:cNvPicPr>
+            <a:picLocks noChangeAspect="1" noChangeArrowheads="1"/>
+          </p:cNvPicPr>
+          <p:nvPr/>
+        </p:nvPicPr>
+        <p:blipFill>
+          <a:blip r:embed="rId2">
+            <a:extLst>
+              <a:ext uri="{28A0092B-C50C-407E-A947-70E740481C1C}">
+                <a14:useLocalDpi xmlns:a14="http://schemas.microsoft.com/office/drawing/2010/main" val="0"/>
+              </a:ext>
+            </a:extLst>
+          </a:blip>
+          <a:srcRect/>
+          <a:stretch>
+            <a:fillRect/>
+          </a:stretch>
+        </p:blipFill>
+        <p:spPr bwMode="auto">
+          <a:xfrm>
+            <a:off x="3757570" y="3481516"/>
+            <a:ext cx="3314700" cy="723900"/>
+          </a:xfrm>
+          <a:prstGeom prst="rect">
+            <a:avLst/>
+          </a:prstGeom>
+          <a:noFill/>
+          <a:extLst>
+            <a:ext uri="{909E8E84-426E-40DD-AFC4-6F175D3DCCD1}">
+              <a14:hiddenFill xmlns:a14="http://schemas.microsoft.com/office/drawing/2010/main">
+                <a:solidFill>
+                  <a:srgbClr val="FFFFFF"/>
+                </a:solidFill>
+              </a14:hiddenFill>
+            </a:ext>
+          </a:extLst>
+        </p:spPr>
+      </p:pic>
+    </p:spTree>
+    <p:extLst>
+      <p:ext uri="{BB962C8B-B14F-4D97-AF65-F5344CB8AC3E}">
+        <p14:creationId xmlns:p14="http://schemas.microsoft.com/office/powerpoint/2010/main" val="4277817188"/>
+      </p:ext>
+    </p:extLst>
+  </p:cSld>
+  <p:clrMapOvr>
+    <a:masterClrMapping/>
+  </p:clrMapOvr>
+</p:sld>
+</file>
+
+<file path=ppt/slides/slide14.xml><?xml version="1.0" encoding="utf-8"?>
+<p:sld xmlns:a="http://schemas.openxmlformats.org/drawingml/2006/main" xmlns:r="http://schemas.openxmlformats.org/officeDocument/2006/relationships" xmlns:p="http://schemas.openxmlformats.org/presentationml/2006/main">
+  <p:cSld>
+    <p:spTree>
+      <p:nvGrpSpPr>
+        <p:cNvPr id="1" name=""/>
+        <p:cNvGrpSpPr/>
+        <p:nvPr/>
+      </p:nvGrpSpPr>
+      <p:grpSpPr>
+        <a:xfrm>
+          <a:off x="0" y="0"/>
+          <a:ext cx="0" cy="0"/>
+          <a:chOff x="0" y="0"/>
+          <a:chExt cx="0" cy="0"/>
+        </a:xfrm>
+      </p:grpSpPr>
+      <p:sp>
+        <p:nvSpPr>
+          <p:cNvPr id="2" name="Заголовок 1"/>
+          <p:cNvSpPr>
+            <a:spLocks noGrp="1"/>
+          </p:cNvSpPr>
+          <p:nvPr>
+            <p:ph type="title"/>
+          </p:nvPr>
+        </p:nvSpPr>
+        <p:spPr/>
+        <p:txBody>
+          <a:bodyPr/>
+          <a:lstStyle/>
+          <a:p>
+            <a:endParaRPr lang="ru-RU"/>
+          </a:p>
+        </p:txBody>
+      </p:sp>
+      <p:sp>
+        <p:nvSpPr>
+          <p:cNvPr id="3" name="Объект 2"/>
+          <p:cNvSpPr>
+            <a:spLocks noGrp="1"/>
+          </p:cNvSpPr>
+          <p:nvPr>
+            <p:ph idx="1"/>
+          </p:nvPr>
+        </p:nvSpPr>
+        <p:spPr/>
+        <p:txBody>
+          <a:bodyPr/>
+          <a:lstStyle/>
+          <a:p>
+            <a:endParaRPr lang="ru-RU"/>
+          </a:p>
+        </p:txBody>
+      </p:sp>
+      <p:pic>
+        <p:nvPicPr>
+          <p:cNvPr id="4098" name="Picture 2" descr="https://latex2png.com/pngs/f543b2e7d9fff22a2e0e0dc47e979f08.png"/>
+          <p:cNvPicPr>
+            <a:picLocks noChangeAspect="1" noChangeArrowheads="1"/>
+          </p:cNvPicPr>
+          <p:nvPr/>
+        </p:nvPicPr>
+        <p:blipFill>
+          <a:blip r:embed="rId2">
+            <a:extLst>
+              <a:ext uri="{28A0092B-C50C-407E-A947-70E740481C1C}">
+                <a14:useLocalDpi xmlns:a14="http://schemas.microsoft.com/office/drawing/2010/main" val="0"/>
+              </a:ext>
+            </a:extLst>
+          </a:blip>
+          <a:srcRect/>
+          <a:stretch>
+            <a:fillRect/>
+          </a:stretch>
+        </p:blipFill>
+        <p:spPr bwMode="auto">
+          <a:xfrm>
+            <a:off x="2276475" y="3048794"/>
+            <a:ext cx="7639050" cy="1905000"/>
+          </a:xfrm>
+          <a:prstGeom prst="rect">
+            <a:avLst/>
+          </a:prstGeom>
+          <a:noFill/>
+          <a:extLst>
+            <a:ext uri="{909E8E84-426E-40DD-AFC4-6F175D3DCCD1}">
+              <a14:hiddenFill xmlns:a14="http://schemas.microsoft.com/office/drawing/2010/main">
+                <a:solidFill>
+                  <a:srgbClr val="FFFFFF"/>
+                </a:solidFill>
+              </a14:hiddenFill>
+            </a:ext>
+          </a:extLst>
+        </p:spPr>
+      </p:pic>
+    </p:spTree>
+    <p:extLst>
+      <p:ext uri="{BB962C8B-B14F-4D97-AF65-F5344CB8AC3E}">
+        <p14:creationId xmlns:p14="http://schemas.microsoft.com/office/powerpoint/2010/main" val="2671140556"/>
+      </p:ext>
+    </p:extLst>
+  </p:cSld>
+  <p:clrMapOvr>
+    <a:masterClrMapping/>
+  </p:clrMapOvr>
+</p:sld>
+</file>
+
+<file path=ppt/slides/slide15.xml><?xml version="1.0" encoding="utf-8"?>
+<p:sld xmlns:a="http://schemas.openxmlformats.org/drawingml/2006/main" xmlns:r="http://schemas.openxmlformats.org/officeDocument/2006/relationships" xmlns:p="http://schemas.openxmlformats.org/presentationml/2006/main">
+  <p:cSld>
+    <p:spTree>
+      <p:nvGrpSpPr>
+        <p:cNvPr id="1" name=""/>
+        <p:cNvGrpSpPr/>
+        <p:nvPr/>
+      </p:nvGrpSpPr>
+      <p:grpSpPr>
+        <a:xfrm>
+          <a:off x="0" y="0"/>
+          <a:ext cx="0" cy="0"/>
+          <a:chOff x="0" y="0"/>
+          <a:chExt cx="0" cy="0"/>
+        </a:xfrm>
+      </p:grpSpPr>
+      <p:sp>
+        <p:nvSpPr>
+          <p:cNvPr id="2" name="Заголовок 1"/>
+          <p:cNvSpPr>
+            <a:spLocks noGrp="1"/>
+          </p:cNvSpPr>
+          <p:nvPr>
+            <p:ph type="title"/>
+          </p:nvPr>
+        </p:nvSpPr>
+        <p:spPr/>
+        <p:txBody>
+          <a:bodyPr/>
+          <a:lstStyle/>
+          <a:p>
+            <a:endParaRPr lang="ru-RU"/>
+          </a:p>
+        </p:txBody>
+      </p:sp>
+      <p:sp>
+        <p:nvSpPr>
+          <p:cNvPr id="3" name="Объект 2"/>
+          <p:cNvSpPr>
+            <a:spLocks noGrp="1"/>
+          </p:cNvSpPr>
+          <p:nvPr>
+            <p:ph idx="1"/>
+          </p:nvPr>
+        </p:nvSpPr>
+        <p:spPr/>
+        <p:txBody>
+          <a:bodyPr/>
+          <a:lstStyle/>
+          <a:p>
+            <a:endParaRPr lang="ru-RU"/>
+          </a:p>
+        </p:txBody>
+      </p:sp>
+      <p:pic>
+        <p:nvPicPr>
+          <p:cNvPr id="5122" name="Picture 2" descr="https://latex2png.com/pngs/94401a89c5ca56f32f019f0cb58e7cb8.png"/>
+          <p:cNvPicPr>
+            <a:picLocks noChangeAspect="1" noChangeArrowheads="1"/>
+          </p:cNvPicPr>
+          <p:nvPr/>
+        </p:nvPicPr>
+        <p:blipFill>
+          <a:blip r:embed="rId2">
+            <a:extLst>
+              <a:ext uri="{28A0092B-C50C-407E-A947-70E740481C1C}">
+                <a14:useLocalDpi xmlns:a14="http://schemas.microsoft.com/office/drawing/2010/main" val="0"/>
+              </a:ext>
+            </a:extLst>
+          </a:blip>
+          <a:srcRect/>
+          <a:stretch>
+            <a:fillRect/>
+          </a:stretch>
+        </p:blipFill>
+        <p:spPr bwMode="auto">
+          <a:xfrm>
+            <a:off x="1519237" y="3048794"/>
+            <a:ext cx="9153525" cy="1905000"/>
+          </a:xfrm>
+          <a:prstGeom prst="rect">
+            <a:avLst/>
+          </a:prstGeom>
+          <a:noFill/>
+          <a:extLst>
+            <a:ext uri="{909E8E84-426E-40DD-AFC4-6F175D3DCCD1}">
+              <a14:hiddenFill xmlns:a14="http://schemas.microsoft.com/office/drawing/2010/main">
+                <a:solidFill>
+                  <a:srgbClr val="FFFFFF"/>
+                </a:solidFill>
+              </a14:hiddenFill>
+            </a:ext>
+          </a:extLst>
+        </p:spPr>
+      </p:pic>
+    </p:spTree>
+    <p:extLst>
+      <p:ext uri="{BB962C8B-B14F-4D97-AF65-F5344CB8AC3E}">
+        <p14:creationId xmlns:p14="http://schemas.microsoft.com/office/powerpoint/2010/main" val="965183845"/>
+      </p:ext>
+    </p:extLst>
+  </p:cSld>
+  <p:clrMapOvr>
+    <a:masterClrMapping/>
+  </p:clrMapOvr>
+</p:sld>
+</file>
+
+<file path=ppt/slides/slide16.xml><?xml version="1.0" encoding="utf-8"?>
+<p:sld xmlns:a="http://schemas.openxmlformats.org/drawingml/2006/main" xmlns:r="http://schemas.openxmlformats.org/officeDocument/2006/relationships" xmlns:p="http://schemas.openxmlformats.org/presentationml/2006/main">
+  <p:cSld>
+    <p:spTree>
+      <p:nvGrpSpPr>
+        <p:cNvPr id="1" name=""/>
+        <p:cNvGrpSpPr/>
+        <p:nvPr/>
+      </p:nvGrpSpPr>
+      <p:grpSpPr>
+        <a:xfrm>
+          <a:off x="0" y="0"/>
+          <a:ext cx="0" cy="0"/>
+          <a:chOff x="0" y="0"/>
+          <a:chExt cx="0" cy="0"/>
+        </a:xfrm>
+      </p:grpSpPr>
+      <p:sp>
+        <p:nvSpPr>
+          <p:cNvPr id="2" name="Заголовок 1"/>
+          <p:cNvSpPr>
+            <a:spLocks noGrp="1"/>
+          </p:cNvSpPr>
+          <p:nvPr>
+            <p:ph type="ctrTitle"/>
+          </p:nvPr>
+        </p:nvSpPr>
+        <p:spPr/>
+        <p:txBody>
+          <a:bodyPr/>
+          <a:lstStyle/>
+          <a:p>
+            <a:r>
+              <a:rPr lang="ru-RU" dirty="0" smtClean="0"/>
+              <a:t>Видео </a:t>
+            </a:r>
+            <a:r>
+              <a:rPr lang="en-US" dirty="0" smtClean="0"/>
+              <a:t>3</a:t>
+            </a:r>
+            <a:endParaRPr lang="ru-RU" dirty="0"/>
+          </a:p>
+        </p:txBody>
+      </p:sp>
+      <p:sp>
+        <p:nvSpPr>
+          <p:cNvPr id="4" name="Подзаголовок 3"/>
+          <p:cNvSpPr>
+            <a:spLocks noGrp="1"/>
+          </p:cNvSpPr>
+          <p:nvPr>
+            <p:ph type="subTitle" idx="1"/>
+          </p:nvPr>
+        </p:nvSpPr>
+        <p:spPr/>
+        <p:txBody>
+          <a:bodyPr/>
+          <a:lstStyle/>
+          <a:p>
+            <a:endParaRPr lang="ru-RU"/>
+          </a:p>
+        </p:txBody>
+      </p:sp>
+    </p:spTree>
+    <p:extLst>
+      <p:ext uri="{BB962C8B-B14F-4D97-AF65-F5344CB8AC3E}">
+        <p14:creationId xmlns:p14="http://schemas.microsoft.com/office/powerpoint/2010/main" val="2016568119"/>
+      </p:ext>
+    </p:extLst>
+  </p:cSld>
+  <p:clrMapOvr>
+    <a:masterClrMapping/>
+  </p:clrMapOvr>
+</p:sld>
+</file>
+
+<file path=ppt/slides/slide17.xml><?xml version="1.0" encoding="utf-8"?>
+<p:sld xmlns:a="http://schemas.openxmlformats.org/drawingml/2006/main" xmlns:r="http://schemas.openxmlformats.org/officeDocument/2006/relationships" xmlns:p="http://schemas.openxmlformats.org/presentationml/2006/main">
+  <p:cSld>
+    <p:spTree>
+      <p:nvGrpSpPr>
+        <p:cNvPr id="1" name=""/>
+        <p:cNvGrpSpPr/>
+        <p:nvPr/>
+      </p:nvGrpSpPr>
+      <p:grpSpPr>
+        <a:xfrm>
+          <a:off x="0" y="0"/>
+          <a:ext cx="0" cy="0"/>
+          <a:chOff x="0" y="0"/>
+          <a:chExt cx="0" cy="0"/>
+        </a:xfrm>
+      </p:grpSpPr>
+      <p:pic>
+        <p:nvPicPr>
+          <p:cNvPr id="6146" name="Picture 2" descr="https://latex2png.com/pngs/2a88d6f2f185869302254032f2dc042b.png"/>
+          <p:cNvPicPr>
+            <a:picLocks noChangeAspect="1" noChangeArrowheads="1"/>
+          </p:cNvPicPr>
+          <p:nvPr/>
+        </p:nvPicPr>
+        <p:blipFill>
+          <a:blip r:embed="rId2">
+            <a:extLst>
+              <a:ext uri="{28A0092B-C50C-407E-A947-70E740481C1C}">
+                <a14:useLocalDpi xmlns:a14="http://schemas.microsoft.com/office/drawing/2010/main" val="0"/>
+              </a:ext>
+            </a:extLst>
+          </a:blip>
+          <a:srcRect/>
+          <a:stretch>
+            <a:fillRect/>
+          </a:stretch>
+        </p:blipFill>
+        <p:spPr bwMode="auto">
+          <a:xfrm>
+            <a:off x="470673" y="2431621"/>
+            <a:ext cx="5991225" cy="2838450"/>
+          </a:xfrm>
+          <a:prstGeom prst="rect">
+            <a:avLst/>
+          </a:prstGeom>
+          <a:noFill/>
+          <a:extLst>
+            <a:ext uri="{909E8E84-426E-40DD-AFC4-6F175D3DCCD1}">
+              <a14:hiddenFill xmlns:a14="http://schemas.microsoft.com/office/drawing/2010/main">
+                <a:solidFill>
+                  <a:srgbClr val="FFFFFF"/>
+                </a:solidFill>
+              </a14:hiddenFill>
+            </a:ext>
+          </a:extLst>
+        </p:spPr>
+      </p:pic>
+      <p:pic>
+        <p:nvPicPr>
+          <p:cNvPr id="6148" name="Picture 4" descr="https://latex2png.com/pngs/cd28909308eed36877fcbd7b810132a1.png"/>
+          <p:cNvPicPr>
+            <a:picLocks noChangeAspect="1" noChangeArrowheads="1"/>
+          </p:cNvPicPr>
+          <p:nvPr/>
+        </p:nvPicPr>
+        <p:blipFill>
+          <a:blip r:embed="rId3">
+            <a:extLst>
+              <a:ext uri="{28A0092B-C50C-407E-A947-70E740481C1C}">
+                <a14:useLocalDpi xmlns:a14="http://schemas.microsoft.com/office/drawing/2010/main" val="0"/>
+              </a:ext>
+            </a:extLst>
+          </a:blip>
+          <a:srcRect/>
+          <a:stretch>
+            <a:fillRect/>
+          </a:stretch>
+        </p:blipFill>
+        <p:spPr bwMode="auto">
+          <a:xfrm>
+            <a:off x="7341029" y="2431621"/>
+            <a:ext cx="3362325" cy="2838450"/>
+          </a:xfrm>
+          <a:prstGeom prst="rect">
+            <a:avLst/>
+          </a:prstGeom>
+          <a:noFill/>
+          <a:extLst>
+            <a:ext uri="{909E8E84-426E-40DD-AFC4-6F175D3DCCD1}">
+              <a14:hiddenFill xmlns:a14="http://schemas.microsoft.com/office/drawing/2010/main">
+                <a:solidFill>
+                  <a:srgbClr val="FFFFFF"/>
+                </a:solidFill>
+              </a14:hiddenFill>
+            </a:ext>
+          </a:extLst>
+        </p:spPr>
+      </p:pic>
+    </p:spTree>
+    <p:extLst>
+      <p:ext uri="{BB962C8B-B14F-4D97-AF65-F5344CB8AC3E}">
+        <p14:creationId xmlns:p14="http://schemas.microsoft.com/office/powerpoint/2010/main" val="1247158900"/>
+      </p:ext>
+    </p:extLst>
+  </p:cSld>
+  <p:clrMapOvr>
+    <a:masterClrMapping/>
+  </p:clrMapOvr>
+</p:sld>
+</file>
+
+<file path=ppt/slides/slide18.xml><?xml version="1.0" encoding="utf-8"?>
+<p:sld xmlns:a="http://schemas.openxmlformats.org/drawingml/2006/main" xmlns:r="http://schemas.openxmlformats.org/officeDocument/2006/relationships" xmlns:p="http://schemas.openxmlformats.org/presentationml/2006/main">
+  <p:cSld>
+    <p:spTree>
+      <p:nvGrpSpPr>
+        <p:cNvPr id="1" name=""/>
+        <p:cNvGrpSpPr/>
+        <p:nvPr/>
+      </p:nvGrpSpPr>
+      <p:grpSpPr>
+        <a:xfrm>
+          <a:off x="0" y="0"/>
+          <a:ext cx="0" cy="0"/>
+          <a:chOff x="0" y="0"/>
+          <a:chExt cx="0" cy="0"/>
+        </a:xfrm>
+      </p:grpSpPr>
+      <p:pic>
+        <p:nvPicPr>
+          <p:cNvPr id="7170" name="Picture 2" descr="https://latex2png.com/pngs/27acff2f2196b58ce87ca3e475766023.png"/>
+          <p:cNvPicPr>
+            <a:picLocks noChangeAspect="1" noChangeArrowheads="1"/>
+          </p:cNvPicPr>
+          <p:nvPr/>
+        </p:nvPicPr>
+        <p:blipFill>
+          <a:blip r:embed="rId2">
+            <a:extLst>
+              <a:ext uri="{28A0092B-C50C-407E-A947-70E740481C1C}">
+                <a14:useLocalDpi xmlns:a14="http://schemas.microsoft.com/office/drawing/2010/main" val="0"/>
+              </a:ext>
+            </a:extLst>
+          </a:blip>
+          <a:srcRect/>
+          <a:stretch>
+            <a:fillRect/>
+          </a:stretch>
+        </p:blipFill>
+        <p:spPr bwMode="auto">
+          <a:xfrm>
+            <a:off x="600419" y="3036973"/>
+            <a:ext cx="2419350" cy="581026"/>
+          </a:xfrm>
+          <a:prstGeom prst="rect">
+            <a:avLst/>
+          </a:prstGeom>
+          <a:noFill/>
+          <a:extLst>
+            <a:ext uri="{909E8E84-426E-40DD-AFC4-6F175D3DCCD1}">
+              <a14:hiddenFill xmlns:a14="http://schemas.microsoft.com/office/drawing/2010/main">
+                <a:solidFill>
+                  <a:srgbClr val="FFFFFF"/>
+                </a:solidFill>
+              </a14:hiddenFill>
+            </a:ext>
+          </a:extLst>
+        </p:spPr>
+      </p:pic>
+      <p:pic>
+        <p:nvPicPr>
+          <p:cNvPr id="7172" name="Picture 4" descr="https://latex2png.com/pngs/0a08abf5d810ba8729417f4c85aabaf9.png"/>
+          <p:cNvPicPr>
+            <a:picLocks noChangeAspect="1" noChangeArrowheads="1"/>
+          </p:cNvPicPr>
+          <p:nvPr/>
+        </p:nvPicPr>
+        <p:blipFill>
+          <a:blip r:embed="rId3">
+            <a:extLst>
+              <a:ext uri="{28A0092B-C50C-407E-A947-70E740481C1C}">
+                <a14:useLocalDpi xmlns:a14="http://schemas.microsoft.com/office/drawing/2010/main" val="0"/>
+              </a:ext>
+            </a:extLst>
+          </a:blip>
+          <a:srcRect/>
+          <a:stretch>
+            <a:fillRect/>
+          </a:stretch>
+        </p:blipFill>
+        <p:spPr bwMode="auto">
+          <a:xfrm>
+            <a:off x="5536943" y="1908261"/>
+            <a:ext cx="3086100" cy="2838450"/>
+          </a:xfrm>
+          <a:prstGeom prst="rect">
+            <a:avLst/>
+          </a:prstGeom>
+          <a:noFill/>
+          <a:extLst>
+            <a:ext uri="{909E8E84-426E-40DD-AFC4-6F175D3DCCD1}">
+              <a14:hiddenFill xmlns:a14="http://schemas.microsoft.com/office/drawing/2010/main">
+                <a:solidFill>
+                  <a:srgbClr val="FFFFFF"/>
+                </a:solidFill>
+              </a14:hiddenFill>
+            </a:ext>
+          </a:extLst>
+        </p:spPr>
+      </p:pic>
+    </p:spTree>
+    <p:extLst>
+      <p:ext uri="{BB962C8B-B14F-4D97-AF65-F5344CB8AC3E}">
+        <p14:creationId xmlns:p14="http://schemas.microsoft.com/office/powerpoint/2010/main" val="2338542593"/>
+      </p:ext>
+    </p:extLst>
+  </p:cSld>
+  <p:clrMapOvr>
+    <a:masterClrMapping/>
+  </p:clrMapOvr>
+</p:sld>
+</file>
+
 <file path=ppt/slides/slide2.xml><?xml version="1.0" encoding="utf-8"?>
 <p:sld xmlns:a="http://schemas.openxmlformats.org/drawingml/2006/main" xmlns:r="http://schemas.openxmlformats.org/officeDocument/2006/relationships" xmlns:p="http://schemas.openxmlformats.org/presentationml/2006/main">
   <p:cSld>
@@ -3196,17 +4122,12 @@
           <a:p>
             <a:r>
               <a:rPr lang="ru-RU" dirty="0" smtClean="0"/>
-              <a:t>Исходные </a:t>
-            </a:r>
-            <a:r>
-              <a:rPr lang="ru-RU" dirty="0" smtClean="0"/>
-              <a:t>вектор</a:t>
+              <a:t>Исходные вектор</a:t>
             </a:r>
             <a:r>
               <a:rPr lang="ru-RU" dirty="0"/>
               <a:t>ы</a:t>
             </a:r>
-            <a:endParaRPr lang="ru-RU" dirty="0"/>
           </a:p>
         </p:txBody>
       </p:sp>

--- a/module_04/module4.pptx
+++ b/module_04/module4.pptx
@@ -260,7 +260,7 @@
           <a:p>
             <a:fld id="{D7DE5C0D-2F04-430D-8801-ECDC32FB7CA6}" type="datetimeFigureOut">
               <a:rPr lang="ru-RU" smtClean="0"/>
-              <a:t>29.06.2022</a:t>
+              <a:t>30.06.2022</a:t>
             </a:fld>
             <a:endParaRPr lang="ru-RU"/>
           </a:p>
@@ -430,7 +430,7 @@
           <a:p>
             <a:fld id="{D7DE5C0D-2F04-430D-8801-ECDC32FB7CA6}" type="datetimeFigureOut">
               <a:rPr lang="ru-RU" smtClean="0"/>
-              <a:t>29.06.2022</a:t>
+              <a:t>30.06.2022</a:t>
             </a:fld>
             <a:endParaRPr lang="ru-RU"/>
           </a:p>
@@ -610,7 +610,7 @@
           <a:p>
             <a:fld id="{D7DE5C0D-2F04-430D-8801-ECDC32FB7CA6}" type="datetimeFigureOut">
               <a:rPr lang="ru-RU" smtClean="0"/>
-              <a:t>29.06.2022</a:t>
+              <a:t>30.06.2022</a:t>
             </a:fld>
             <a:endParaRPr lang="ru-RU"/>
           </a:p>
@@ -780,7 +780,7 @@
           <a:p>
             <a:fld id="{D7DE5C0D-2F04-430D-8801-ECDC32FB7CA6}" type="datetimeFigureOut">
               <a:rPr lang="ru-RU" smtClean="0"/>
-              <a:t>29.06.2022</a:t>
+              <a:t>30.06.2022</a:t>
             </a:fld>
             <a:endParaRPr lang="ru-RU"/>
           </a:p>
@@ -1026,7 +1026,7 @@
           <a:p>
             <a:fld id="{D7DE5C0D-2F04-430D-8801-ECDC32FB7CA6}" type="datetimeFigureOut">
               <a:rPr lang="ru-RU" smtClean="0"/>
-              <a:t>29.06.2022</a:t>
+              <a:t>30.06.2022</a:t>
             </a:fld>
             <a:endParaRPr lang="ru-RU"/>
           </a:p>
@@ -1258,7 +1258,7 @@
           <a:p>
             <a:fld id="{D7DE5C0D-2F04-430D-8801-ECDC32FB7CA6}" type="datetimeFigureOut">
               <a:rPr lang="ru-RU" smtClean="0"/>
-              <a:t>29.06.2022</a:t>
+              <a:t>30.06.2022</a:t>
             </a:fld>
             <a:endParaRPr lang="ru-RU"/>
           </a:p>
@@ -1625,7 +1625,7 @@
           <a:p>
             <a:fld id="{D7DE5C0D-2F04-430D-8801-ECDC32FB7CA6}" type="datetimeFigureOut">
               <a:rPr lang="ru-RU" smtClean="0"/>
-              <a:t>29.06.2022</a:t>
+              <a:t>30.06.2022</a:t>
             </a:fld>
             <a:endParaRPr lang="ru-RU"/>
           </a:p>
@@ -1743,7 +1743,7 @@
           <a:p>
             <a:fld id="{D7DE5C0D-2F04-430D-8801-ECDC32FB7CA6}" type="datetimeFigureOut">
               <a:rPr lang="ru-RU" smtClean="0"/>
-              <a:t>29.06.2022</a:t>
+              <a:t>30.06.2022</a:t>
             </a:fld>
             <a:endParaRPr lang="ru-RU"/>
           </a:p>
@@ -1838,7 +1838,7 @@
           <a:p>
             <a:fld id="{D7DE5C0D-2F04-430D-8801-ECDC32FB7CA6}" type="datetimeFigureOut">
               <a:rPr lang="ru-RU" smtClean="0"/>
-              <a:t>29.06.2022</a:t>
+              <a:t>30.06.2022</a:t>
             </a:fld>
             <a:endParaRPr lang="ru-RU"/>
           </a:p>
@@ -2115,7 +2115,7 @@
           <a:p>
             <a:fld id="{D7DE5C0D-2F04-430D-8801-ECDC32FB7CA6}" type="datetimeFigureOut">
               <a:rPr lang="ru-RU" smtClean="0"/>
-              <a:t>29.06.2022</a:t>
+              <a:t>30.06.2022</a:t>
             </a:fld>
             <a:endParaRPr lang="ru-RU"/>
           </a:p>
@@ -2368,7 +2368,7 @@
           <a:p>
             <a:fld id="{D7DE5C0D-2F04-430D-8801-ECDC32FB7CA6}" type="datetimeFigureOut">
               <a:rPr lang="ru-RU" smtClean="0"/>
-              <a:t>29.06.2022</a:t>
+              <a:t>30.06.2022</a:t>
             </a:fld>
             <a:endParaRPr lang="ru-RU"/>
           </a:p>
@@ -2581,7 +2581,7 @@
           <a:p>
             <a:fld id="{D7DE5C0D-2F04-430D-8801-ECDC32FB7CA6}" type="datetimeFigureOut">
               <a:rPr lang="ru-RU" smtClean="0"/>
-              <a:t>29.06.2022</a:t>
+              <a:t>30.06.2022</a:t>
             </a:fld>
             <a:endParaRPr lang="ru-RU"/>
           </a:p>
